--- a/作业7-预测.pptx
+++ b/作业7-预测.pptx
@@ -246,7 +246,7 @@
           <a:p>
             <a:fld id="{697CB648-7F11-4C5A-91DB-973347A2A8FB}" type="datetimeFigureOut">
               <a:rPr lang="zh-CN" altLang="en-US" smtClean="0"/>
-              <a:t>2017/11/26</a:t>
+              <a:t>2017/11/27</a:t>
             </a:fld>
             <a:endParaRPr lang="zh-CN" altLang="en-US"/>
           </a:p>
@@ -411,7 +411,7 @@
           <a:p>
             <a:fld id="{697CB648-7F11-4C5A-91DB-973347A2A8FB}" type="datetimeFigureOut">
               <a:rPr lang="zh-CN" altLang="en-US" smtClean="0"/>
-              <a:t>2017/11/26</a:t>
+              <a:t>2017/11/27</a:t>
             </a:fld>
             <a:endParaRPr lang="zh-CN" altLang="en-US"/>
           </a:p>
@@ -586,7 +586,7 @@
           <a:p>
             <a:fld id="{697CB648-7F11-4C5A-91DB-973347A2A8FB}" type="datetimeFigureOut">
               <a:rPr lang="zh-CN" altLang="en-US" smtClean="0"/>
-              <a:t>2017/11/26</a:t>
+              <a:t>2017/11/27</a:t>
             </a:fld>
             <a:endParaRPr lang="zh-CN" altLang="en-US"/>
           </a:p>
@@ -751,7 +751,7 @@
           <a:p>
             <a:fld id="{697CB648-7F11-4C5A-91DB-973347A2A8FB}" type="datetimeFigureOut">
               <a:rPr lang="zh-CN" altLang="en-US" smtClean="0"/>
-              <a:t>2017/11/26</a:t>
+              <a:t>2017/11/27</a:t>
             </a:fld>
             <a:endParaRPr lang="zh-CN" altLang="en-US"/>
           </a:p>
@@ -992,7 +992,7 @@
           <a:p>
             <a:fld id="{697CB648-7F11-4C5A-91DB-973347A2A8FB}" type="datetimeFigureOut">
               <a:rPr lang="zh-CN" altLang="en-US" smtClean="0"/>
-              <a:t>2017/11/26</a:t>
+              <a:t>2017/11/27</a:t>
             </a:fld>
             <a:endParaRPr lang="zh-CN" altLang="en-US"/>
           </a:p>
@@ -1219,7 +1219,7 @@
           <a:p>
             <a:fld id="{697CB648-7F11-4C5A-91DB-973347A2A8FB}" type="datetimeFigureOut">
               <a:rPr lang="zh-CN" altLang="en-US" smtClean="0"/>
-              <a:t>2017/11/26</a:t>
+              <a:t>2017/11/27</a:t>
             </a:fld>
             <a:endParaRPr lang="zh-CN" altLang="en-US"/>
           </a:p>
@@ -1581,7 +1581,7 @@
           <a:p>
             <a:fld id="{697CB648-7F11-4C5A-91DB-973347A2A8FB}" type="datetimeFigureOut">
               <a:rPr lang="zh-CN" altLang="en-US" smtClean="0"/>
-              <a:t>2017/11/26</a:t>
+              <a:t>2017/11/27</a:t>
             </a:fld>
             <a:endParaRPr lang="zh-CN" altLang="en-US"/>
           </a:p>
@@ -1694,7 +1694,7 @@
           <a:p>
             <a:fld id="{697CB648-7F11-4C5A-91DB-973347A2A8FB}" type="datetimeFigureOut">
               <a:rPr lang="zh-CN" altLang="en-US" smtClean="0"/>
-              <a:t>2017/11/26</a:t>
+              <a:t>2017/11/27</a:t>
             </a:fld>
             <a:endParaRPr lang="zh-CN" altLang="en-US"/>
           </a:p>
@@ -1784,7 +1784,7 @@
           <a:p>
             <a:fld id="{697CB648-7F11-4C5A-91DB-973347A2A8FB}" type="datetimeFigureOut">
               <a:rPr lang="zh-CN" altLang="en-US" smtClean="0"/>
-              <a:t>2017/11/26</a:t>
+              <a:t>2017/11/27</a:t>
             </a:fld>
             <a:endParaRPr lang="zh-CN" altLang="en-US"/>
           </a:p>
@@ -2056,7 +2056,7 @@
           <a:p>
             <a:fld id="{697CB648-7F11-4C5A-91DB-973347A2A8FB}" type="datetimeFigureOut">
               <a:rPr lang="zh-CN" altLang="en-US" smtClean="0"/>
-              <a:t>2017/11/26</a:t>
+              <a:t>2017/11/27</a:t>
             </a:fld>
             <a:endParaRPr lang="zh-CN" altLang="en-US"/>
           </a:p>
@@ -2304,7 +2304,7 @@
           <a:p>
             <a:fld id="{697CB648-7F11-4C5A-91DB-973347A2A8FB}" type="datetimeFigureOut">
               <a:rPr lang="zh-CN" altLang="en-US" smtClean="0"/>
-              <a:t>2017/11/26</a:t>
+              <a:t>2017/11/27</a:t>
             </a:fld>
             <a:endParaRPr lang="zh-CN" altLang="en-US"/>
           </a:p>
@@ -2512,7 +2512,7 @@
           <a:p>
             <a:fld id="{697CB648-7F11-4C5A-91DB-973347A2A8FB}" type="datetimeFigureOut">
               <a:rPr lang="zh-CN" altLang="en-US" smtClean="0"/>
-              <a:t>2017/11/26</a:t>
+              <a:t>2017/11/27</a:t>
             </a:fld>
             <a:endParaRPr lang="zh-CN" altLang="en-US"/>
           </a:p>
@@ -2957,13 +2957,13 @@
         </p:spPr>
         <p:txBody>
           <a:bodyPr>
-            <a:normAutofit lnSpcReduction="10000"/>
+            <a:normAutofit fontScale="92500" lnSpcReduction="10000"/>
           </a:bodyPr>
           <a:lstStyle/>
           <a:p>
             <a:r>
               <a:rPr lang="en-US" altLang="zh-CN" dirty="0" smtClean="0"/>
-              <a:t>2017.9.6</a:t>
+              <a:t>2017.11.27</a:t>
             </a:r>
             <a:endParaRPr lang="zh-CN" altLang="en-US" dirty="0"/>
           </a:p>
@@ -3199,6 +3199,105 @@
               </a:rPr>
               <a:t>级物流管理专业</a:t>
             </a:r>
+          </a:p>
+        </p:txBody>
+      </p:sp>
+      <p:sp>
+        <p:nvSpPr>
+          <p:cNvPr id="5" name="文本框 4"/>
+          <p:cNvSpPr txBox="1"/>
+          <p:nvPr/>
+        </p:nvSpPr>
+        <p:spPr>
+          <a:xfrm>
+            <a:off x="2496013" y="3868357"/>
+            <a:ext cx="7673899" cy="646331"/>
+          </a:xfrm>
+          <a:prstGeom prst="rect">
+            <a:avLst/>
+          </a:prstGeom>
+          <a:noFill/>
+        </p:spPr>
+        <p:txBody>
+          <a:bodyPr wrap="square" rtlCol="0">
+            <a:spAutoFit/>
+          </a:bodyPr>
+          <a:lstStyle/>
+          <a:p>
+            <a:r>
+              <a:rPr lang="zh-CN" altLang="en-US" dirty="0" smtClean="0">
+                <a:latin typeface="华文楷体" panose="02010600040101010101" pitchFamily="2" charset="-122"/>
+                <a:ea typeface="华文楷体" panose="02010600040101010101" pitchFamily="2" charset="-122"/>
+              </a:rPr>
+              <a:t>应</a:t>
+            </a:r>
+            <a:r>
+              <a:rPr lang="en-US" altLang="zh-CN" dirty="0" smtClean="0">
+                <a:latin typeface="华文楷体" panose="02010600040101010101" pitchFamily="2" charset="-122"/>
+                <a:ea typeface="华文楷体" panose="02010600040101010101" pitchFamily="2" charset="-122"/>
+              </a:rPr>
+              <a:t>15</a:t>
+            </a:r>
+            <a:r>
+              <a:rPr lang="zh-CN" altLang="en-US" dirty="0" smtClean="0">
+                <a:latin typeface="华文楷体" panose="02010600040101010101" pitchFamily="2" charset="-122"/>
+                <a:ea typeface="华文楷体" panose="02010600040101010101" pitchFamily="2" charset="-122"/>
+              </a:rPr>
+              <a:t>级各位同学要求，“</a:t>
+            </a:r>
+            <a:r>
+              <a:rPr lang="zh-CN" altLang="en-US" dirty="0">
+                <a:latin typeface="华文楷体" panose="02010600040101010101" pitchFamily="2" charset="-122"/>
+                <a:ea typeface="华文楷体" panose="02010600040101010101" pitchFamily="2" charset="-122"/>
+              </a:rPr>
+              <a:t>作业</a:t>
+            </a:r>
+            <a:r>
+              <a:rPr lang="en-US" altLang="zh-CN" dirty="0" smtClean="0">
+                <a:latin typeface="华文楷体" panose="02010600040101010101" pitchFamily="2" charset="-122"/>
+                <a:ea typeface="华文楷体" panose="02010600040101010101" pitchFamily="2" charset="-122"/>
+              </a:rPr>
+              <a:t>7-</a:t>
+            </a:r>
+            <a:r>
+              <a:rPr lang="zh-CN" altLang="en-US" dirty="0" smtClean="0">
+                <a:latin typeface="华文楷体" panose="02010600040101010101" pitchFamily="2" charset="-122"/>
+                <a:ea typeface="华文楷体" panose="02010600040101010101" pitchFamily="2" charset="-122"/>
+              </a:rPr>
+              <a:t>预测” 不再做为作业布置，其中</a:t>
+            </a:r>
+            <a:r>
+              <a:rPr lang="en-US" altLang="zh-CN" dirty="0" smtClean="0">
+                <a:latin typeface="华文楷体" panose="02010600040101010101" pitchFamily="2" charset="-122"/>
+                <a:ea typeface="华文楷体" panose="02010600040101010101" pitchFamily="2" charset="-122"/>
+              </a:rPr>
+              <a:t>3</a:t>
+            </a:r>
+            <a:r>
+              <a:rPr lang="zh-CN" altLang="en-US" dirty="0" smtClean="0">
+                <a:latin typeface="华文楷体" panose="02010600040101010101" pitchFamily="2" charset="-122"/>
+                <a:ea typeface="华文楷体" panose="02010600040101010101" pitchFamily="2" charset="-122"/>
+              </a:rPr>
+              <a:t>道题目作为预测部分的练习题自行完成。但作业</a:t>
+            </a:r>
+            <a:r>
+              <a:rPr lang="en-US" altLang="zh-CN" dirty="0" smtClean="0">
+                <a:latin typeface="华文楷体" panose="02010600040101010101" pitchFamily="2" charset="-122"/>
+                <a:ea typeface="华文楷体" panose="02010600040101010101" pitchFamily="2" charset="-122"/>
+              </a:rPr>
+              <a:t>7</a:t>
+            </a:r>
+            <a:r>
+              <a:rPr lang="zh-CN" altLang="en-US" dirty="0" smtClean="0">
+                <a:latin typeface="华文楷体" panose="02010600040101010101" pitchFamily="2" charset="-122"/>
+                <a:ea typeface="华文楷体" panose="02010600040101010101" pitchFamily="2" charset="-122"/>
+              </a:rPr>
+              <a:t>涉及的内容依然是考试范围之一</a:t>
+            </a:r>
+            <a:endParaRPr lang="zh-CN" altLang="en-US" dirty="0">
+              <a:latin typeface="华文楷体" panose="02010600040101010101" pitchFamily="2" charset="-122"/>
+              <a:ea typeface="华文楷体" panose="02010600040101010101" pitchFamily="2" charset="-122"/>
+            </a:endParaRPr>
           </a:p>
         </p:txBody>
       </p:sp>
@@ -3650,11 +3749,7 @@
             </a:r>
             <a:r>
               <a:rPr lang="zh-CN" altLang="en-US" dirty="0" smtClean="0"/>
-              <a:t>增长，</a:t>
-            </a:r>
-            <a:r>
-              <a:rPr lang="zh-CN" altLang="en-US" dirty="0" smtClean="0"/>
-              <a:t>试分析可决系数多大，模型对中国经济增长的解释能力如何</a:t>
+              <a:t>增长，试分析可决系数多大，模型对中国经济增长的解释能力如何</a:t>
             </a:r>
             <a:endParaRPr lang="en-US" altLang="zh-CN" dirty="0" smtClean="0"/>
           </a:p>

--- a/作业7-预测.pptx
+++ b/作业7-预测.pptx
@@ -8,7 +8,8 @@
     <p:sldId id="256" r:id="rId2"/>
     <p:sldId id="262" r:id="rId3"/>
     <p:sldId id="263" r:id="rId4"/>
-    <p:sldId id="257" r:id="rId5"/>
+    <p:sldId id="265" r:id="rId5"/>
+    <p:sldId id="264" r:id="rId6"/>
   </p:sldIdLst>
   <p:sldSz cx="12192000" cy="6858000"/>
   <p:notesSz cx="6858000" cy="9144000"/>
@@ -246,7 +247,7 @@
           <a:p>
             <a:fld id="{697CB648-7F11-4C5A-91DB-973347A2A8FB}" type="datetimeFigureOut">
               <a:rPr lang="zh-CN" altLang="en-US" smtClean="0"/>
-              <a:t>2017/11/27</a:t>
+              <a:t>2017/11/29</a:t>
             </a:fld>
             <a:endParaRPr lang="zh-CN" altLang="en-US"/>
           </a:p>
@@ -411,7 +412,7 @@
           <a:p>
             <a:fld id="{697CB648-7F11-4C5A-91DB-973347A2A8FB}" type="datetimeFigureOut">
               <a:rPr lang="zh-CN" altLang="en-US" smtClean="0"/>
-              <a:t>2017/11/27</a:t>
+              <a:t>2017/11/29</a:t>
             </a:fld>
             <a:endParaRPr lang="zh-CN" altLang="en-US"/>
           </a:p>
@@ -586,7 +587,7 @@
           <a:p>
             <a:fld id="{697CB648-7F11-4C5A-91DB-973347A2A8FB}" type="datetimeFigureOut">
               <a:rPr lang="zh-CN" altLang="en-US" smtClean="0"/>
-              <a:t>2017/11/27</a:t>
+              <a:t>2017/11/29</a:t>
             </a:fld>
             <a:endParaRPr lang="zh-CN" altLang="en-US"/>
           </a:p>
@@ -751,7 +752,7 @@
           <a:p>
             <a:fld id="{697CB648-7F11-4C5A-91DB-973347A2A8FB}" type="datetimeFigureOut">
               <a:rPr lang="zh-CN" altLang="en-US" smtClean="0"/>
-              <a:t>2017/11/27</a:t>
+              <a:t>2017/11/29</a:t>
             </a:fld>
             <a:endParaRPr lang="zh-CN" altLang="en-US"/>
           </a:p>
@@ -992,7 +993,7 @@
           <a:p>
             <a:fld id="{697CB648-7F11-4C5A-91DB-973347A2A8FB}" type="datetimeFigureOut">
               <a:rPr lang="zh-CN" altLang="en-US" smtClean="0"/>
-              <a:t>2017/11/27</a:t>
+              <a:t>2017/11/29</a:t>
             </a:fld>
             <a:endParaRPr lang="zh-CN" altLang="en-US"/>
           </a:p>
@@ -1219,7 +1220,7 @@
           <a:p>
             <a:fld id="{697CB648-7F11-4C5A-91DB-973347A2A8FB}" type="datetimeFigureOut">
               <a:rPr lang="zh-CN" altLang="en-US" smtClean="0"/>
-              <a:t>2017/11/27</a:t>
+              <a:t>2017/11/29</a:t>
             </a:fld>
             <a:endParaRPr lang="zh-CN" altLang="en-US"/>
           </a:p>
@@ -1581,7 +1582,7 @@
           <a:p>
             <a:fld id="{697CB648-7F11-4C5A-91DB-973347A2A8FB}" type="datetimeFigureOut">
               <a:rPr lang="zh-CN" altLang="en-US" smtClean="0"/>
-              <a:t>2017/11/27</a:t>
+              <a:t>2017/11/29</a:t>
             </a:fld>
             <a:endParaRPr lang="zh-CN" altLang="en-US"/>
           </a:p>
@@ -1694,7 +1695,7 @@
           <a:p>
             <a:fld id="{697CB648-7F11-4C5A-91DB-973347A2A8FB}" type="datetimeFigureOut">
               <a:rPr lang="zh-CN" altLang="en-US" smtClean="0"/>
-              <a:t>2017/11/27</a:t>
+              <a:t>2017/11/29</a:t>
             </a:fld>
             <a:endParaRPr lang="zh-CN" altLang="en-US"/>
           </a:p>
@@ -1784,7 +1785,7 @@
           <a:p>
             <a:fld id="{697CB648-7F11-4C5A-91DB-973347A2A8FB}" type="datetimeFigureOut">
               <a:rPr lang="zh-CN" altLang="en-US" smtClean="0"/>
-              <a:t>2017/11/27</a:t>
+              <a:t>2017/11/29</a:t>
             </a:fld>
             <a:endParaRPr lang="zh-CN" altLang="en-US"/>
           </a:p>
@@ -2056,7 +2057,7 @@
           <a:p>
             <a:fld id="{697CB648-7F11-4C5A-91DB-973347A2A8FB}" type="datetimeFigureOut">
               <a:rPr lang="zh-CN" altLang="en-US" smtClean="0"/>
-              <a:t>2017/11/27</a:t>
+              <a:t>2017/11/29</a:t>
             </a:fld>
             <a:endParaRPr lang="zh-CN" altLang="en-US"/>
           </a:p>
@@ -2304,7 +2305,7 @@
           <a:p>
             <a:fld id="{697CB648-7F11-4C5A-91DB-973347A2A8FB}" type="datetimeFigureOut">
               <a:rPr lang="zh-CN" altLang="en-US" smtClean="0"/>
-              <a:t>2017/11/27</a:t>
+              <a:t>2017/11/29</a:t>
             </a:fld>
             <a:endParaRPr lang="zh-CN" altLang="en-US"/>
           </a:p>
@@ -2512,7 +2513,7 @@
           <a:p>
             <a:fld id="{697CB648-7F11-4C5A-91DB-973347A2A8FB}" type="datetimeFigureOut">
               <a:rPr lang="zh-CN" altLang="en-US" smtClean="0"/>
-              <a:t>2017/11/27</a:t>
+              <a:t>2017/11/29</a:t>
             </a:fld>
             <a:endParaRPr lang="zh-CN" altLang="en-US"/>
           </a:p>
@@ -3788,6 +3789,185 @@
         </p:txBody>
       </p:sp>
     </p:spTree>
+    <p:extLst>
+      <p:ext uri="{BB962C8B-B14F-4D97-AF65-F5344CB8AC3E}">
+        <p14:creationId xmlns:p14="http://schemas.microsoft.com/office/powerpoint/2010/main" val="1123296563"/>
+      </p:ext>
+    </p:extLst>
+  </p:cSld>
+  <p:clrMapOvr>
+    <a:masterClrMapping/>
+  </p:clrMapOvr>
+</p:sld>
+</file>
+
+<file path=ppt/slides/slide5.xml><?xml version="1.0" encoding="utf-8"?>
+<p:sld xmlns:a="http://schemas.openxmlformats.org/drawingml/2006/main" xmlns:r="http://schemas.openxmlformats.org/officeDocument/2006/relationships" xmlns:p="http://schemas.openxmlformats.org/presentationml/2006/main">
+  <p:cSld>
+    <p:spTree>
+      <p:nvGrpSpPr>
+        <p:cNvPr id="1" name=""/>
+        <p:cNvGrpSpPr/>
+        <p:nvPr/>
+      </p:nvGrpSpPr>
+      <p:grpSpPr>
+        <a:xfrm>
+          <a:off x="0" y="0"/>
+          <a:ext cx="0" cy="0"/>
+          <a:chOff x="0" y="0"/>
+          <a:chExt cx="0" cy="0"/>
+        </a:xfrm>
+      </p:grpSpPr>
+      <p:sp>
+        <p:nvSpPr>
+          <p:cNvPr id="2" name="标题 1"/>
+          <p:cNvSpPr>
+            <a:spLocks noGrp="1"/>
+          </p:cNvSpPr>
+          <p:nvPr>
+            <p:ph type="title"/>
+          </p:nvPr>
+        </p:nvSpPr>
+        <p:spPr/>
+        <p:txBody>
+          <a:bodyPr/>
+          <a:lstStyle/>
+          <a:p>
+            <a:r>
+              <a:rPr lang="en-US" altLang="zh-CN" dirty="0" smtClean="0"/>
+              <a:t>4 </a:t>
+            </a:r>
+            <a:r>
+              <a:rPr lang="zh-CN" altLang="en-US" dirty="0" smtClean="0"/>
+              <a:t>时间序列（选作）</a:t>
+            </a:r>
+            <a:endParaRPr lang="zh-CN" altLang="en-US" dirty="0"/>
+          </a:p>
+        </p:txBody>
+      </p:sp>
+      <p:sp>
+        <p:nvSpPr>
+          <p:cNvPr id="3" name="内容占位符 2"/>
+          <p:cNvSpPr>
+            <a:spLocks noGrp="1"/>
+          </p:cNvSpPr>
+          <p:nvPr>
+            <p:ph idx="1"/>
+          </p:nvPr>
+        </p:nvSpPr>
+        <p:spPr/>
+        <p:txBody>
+          <a:bodyPr/>
+          <a:lstStyle/>
+          <a:p>
+            <a:r>
+              <a:rPr lang="en-US" altLang="zh-CN" dirty="0" err="1" smtClean="0"/>
+              <a:t>fpp</a:t>
+            </a:r>
+            <a:r>
+              <a:rPr lang="zh-CN" altLang="en-US" dirty="0" smtClean="0"/>
+              <a:t>和</a:t>
+            </a:r>
+            <a:r>
+              <a:rPr lang="en-US" altLang="zh-CN" dirty="0" smtClean="0"/>
+              <a:t>fpp2</a:t>
+            </a:r>
+            <a:r>
+              <a:rPr lang="zh-CN" altLang="en-US" dirty="0" smtClean="0"/>
+              <a:t>是</a:t>
+            </a:r>
+            <a:r>
+              <a:rPr lang="en-US" altLang="zh-CN" dirty="0" smtClean="0"/>
+              <a:t>《</a:t>
+            </a:r>
+            <a:r>
+              <a:rPr lang="en-US" altLang="zh-CN" dirty="0" err="1" smtClean="0"/>
+              <a:t>Forecasting:principles</a:t>
+            </a:r>
+            <a:r>
+              <a:rPr lang="en-US" altLang="zh-CN" dirty="0" smtClean="0"/>
+              <a:t> and practice》</a:t>
+            </a:r>
+            <a:r>
+              <a:rPr lang="zh-CN" altLang="en-US" dirty="0" smtClean="0"/>
+              <a:t>第一版和第二版的书中教学案例包。请使用</a:t>
+            </a:r>
+            <a:r>
+              <a:rPr lang="en-US" altLang="zh-CN" dirty="0" smtClean="0"/>
+              <a:t>fpp2</a:t>
+            </a:r>
+            <a:r>
+              <a:rPr lang="zh-CN" altLang="en-US" dirty="0" smtClean="0"/>
+              <a:t>包中的</a:t>
+            </a:r>
+            <a:r>
+              <a:rPr lang="en-US" altLang="zh-CN" dirty="0" err="1" smtClean="0"/>
+              <a:t>euretail</a:t>
+            </a:r>
+            <a:r>
+              <a:rPr lang="zh-CN" altLang="en-US" dirty="0" smtClean="0"/>
+              <a:t>数据集</a:t>
+            </a:r>
+            <a:endParaRPr lang="en-US" altLang="zh-CN" dirty="0" smtClean="0"/>
+          </a:p>
+          <a:p>
+            <a:pPr lvl="1"/>
+            <a:r>
+              <a:rPr lang="zh-CN" altLang="en-US" dirty="0" smtClean="0"/>
+              <a:t>查看该数据集含义</a:t>
+            </a:r>
+            <a:endParaRPr lang="en-US" altLang="zh-CN" dirty="0" smtClean="0"/>
+          </a:p>
+          <a:p>
+            <a:pPr lvl="1"/>
+            <a:r>
+              <a:rPr lang="zh-CN" altLang="en-US" dirty="0" smtClean="0"/>
+              <a:t>将数据集分为建模数据和检验数据，建模数据窗口长度占总数总长</a:t>
+            </a:r>
+            <a:r>
+              <a:rPr lang="en-US" altLang="zh-CN" dirty="0" smtClean="0"/>
+              <a:t>90%</a:t>
+            </a:r>
+          </a:p>
+          <a:p>
+            <a:pPr lvl="1"/>
+            <a:r>
+              <a:rPr lang="zh-CN" altLang="en-US" dirty="0" smtClean="0"/>
+              <a:t>选合适的方法对建模数据进行预测，预测期为建模窗口的</a:t>
+            </a:r>
+            <a:r>
+              <a:rPr lang="en-US" altLang="zh-CN" dirty="0" smtClean="0"/>
+              <a:t>10%</a:t>
+            </a:r>
+            <a:endParaRPr lang="en-US" altLang="zh-CN" dirty="0"/>
+          </a:p>
+          <a:p>
+            <a:pPr lvl="1"/>
+            <a:r>
+              <a:rPr lang="zh-CN" altLang="en-US" dirty="0" smtClean="0"/>
+              <a:t>检验模型精度</a:t>
+            </a:r>
+            <a:endParaRPr lang="en-US" altLang="zh-CN" dirty="0" smtClean="0"/>
+          </a:p>
+          <a:p>
+            <a:pPr lvl="1"/>
+            <a:r>
+              <a:rPr lang="zh-CN" altLang="en-US" dirty="0" smtClean="0"/>
+              <a:t>将原数据和预测数据可视化</a:t>
+            </a:r>
+            <a:endParaRPr lang="en-US" altLang="zh-CN" dirty="0" smtClean="0"/>
+          </a:p>
+          <a:p>
+            <a:endParaRPr lang="zh-CN" altLang="en-US" dirty="0"/>
+          </a:p>
+        </p:txBody>
+      </p:sp>
+    </p:spTree>
+    <p:extLst>
+      <p:ext uri="{BB962C8B-B14F-4D97-AF65-F5344CB8AC3E}">
+        <p14:creationId xmlns:p14="http://schemas.microsoft.com/office/powerpoint/2010/main" val="280365422"/>
+      </p:ext>
+    </p:extLst>
   </p:cSld>
   <p:clrMapOvr>
     <a:masterClrMapping/>
